--- a/assets/lectures/cshl/2023/mini/RNASeq_MiniLecture_02_04_alignmentQC.pptx
+++ b/assets/lectures/cshl/2023/mini/RNASeq_MiniLecture_02_04_alignmentQC.pptx
@@ -22,7 +22,7 @@
     <p:sldId id="546" r:id="rId13"/>
     <p:sldId id="547" r:id="rId14"/>
     <p:sldId id="548" r:id="rId15"/>
-    <p:sldId id="260" r:id="rId16"/>
+    <p:sldId id="560" r:id="rId16"/>
   </p:sldIdLst>
   <p:sldSz cx="12192000" cy="6858000"/>
   <p:notesSz cx="6858000" cy="9144000"/>
@@ -211,7 +211,7 @@
           <a:p>
             <a:fld id="{827BD9F9-8452-A342-BB1B-28ECF19E2CC5}" type="datetimeFigureOut">
               <a:rPr lang="en-US" smtClean="0"/>
-              <a:t>11/5/23</a:t>
+              <a:t>11/13/23</a:t>
             </a:fld>
             <a:endParaRPr lang="en-US"/>
           </a:p>
@@ -517,14 +517,14 @@
           </a:ln>
           <a:extLst>
             <a:ext uri="{909E8E84-426E-40dd-AFC4-6F175D3DCCD1}">
-              <a14:hiddenFill xmlns:a14="http://schemas.microsoft.com/office/drawing/2010/main" xmlns="">
+              <a14:hiddenFill xmlns="" xmlns:a14="http://schemas.microsoft.com/office/drawing/2010/main">
                 <a:solidFill>
                   <a:srgbClr val="FFFFFF"/>
                 </a:solidFill>
               </a14:hiddenFill>
             </a:ext>
             <a:ext uri="{FAA26D3D-D897-4be2-8F04-BA451C77F1D7}">
-              <ma14:placeholderFlag xmlns:ma14="http://schemas.microsoft.com/office/mac/drawingml/2011/main" xmlns="" val="1"/>
+              <ma14:placeholderFlag xmlns="" xmlns:ma14="http://schemas.microsoft.com/office/mac/drawingml/2011/main" val="1"/>
             </a:ext>
           </a:extLst>
         </p:spPr>
@@ -543,14 +543,14 @@
           <a:noFill/>
           <a:extLst>
             <a:ext uri="{909E8E84-426E-40dd-AFC4-6F175D3DCCD1}">
-              <a14:hiddenFill xmlns:a14="http://schemas.microsoft.com/office/drawing/2010/main" xmlns="">
+              <a14:hiddenFill xmlns="" xmlns:a14="http://schemas.microsoft.com/office/drawing/2010/main">
                 <a:solidFill>
                   <a:srgbClr val="FFFFFF"/>
                 </a:solidFill>
               </a14:hiddenFill>
             </a:ext>
             <a:ext uri="{91240B29-F687-4f45-9708-019B960494DF}">
-              <a14:hiddenLine xmlns:a14="http://schemas.microsoft.com/office/drawing/2010/main" xmlns="" w="9525">
+              <a14:hiddenLine xmlns="" xmlns:a14="http://schemas.microsoft.com/office/drawing/2010/main" w="9525">
                 <a:solidFill>
                   <a:srgbClr val="000000"/>
                 </a:solidFill>
@@ -560,7 +560,7 @@
               </a14:hiddenLine>
             </a:ext>
             <a:ext uri="{FAA26D3D-D897-4be2-8F04-BA451C77F1D7}">
-              <ma14:placeholderFlag xmlns:ma14="http://schemas.microsoft.com/office/mac/drawingml/2011/main" xmlns="" val="1"/>
+              <ma14:placeholderFlag xmlns="" xmlns:ma14="http://schemas.microsoft.com/office/mac/drawingml/2011/main" val="1"/>
             </a:ext>
           </a:extLst>
         </p:spPr>
@@ -594,14 +594,14 @@
           <a:noFill/>
           <a:extLst>
             <a:ext uri="{909E8E84-426E-40dd-AFC4-6F175D3DCCD1}">
-              <a14:hiddenFill xmlns:a14="http://schemas.microsoft.com/office/drawing/2010/main" xmlns="">
+              <a14:hiddenFill xmlns="" xmlns:a14="http://schemas.microsoft.com/office/drawing/2010/main">
                 <a:solidFill>
                   <a:srgbClr val="FFFFFF"/>
                 </a:solidFill>
               </a14:hiddenFill>
             </a:ext>
             <a:ext uri="{91240B29-F687-4f45-9708-019B960494DF}">
-              <a14:hiddenLine xmlns:a14="http://schemas.microsoft.com/office/drawing/2010/main" xmlns="" w="9525">
+              <a14:hiddenLine xmlns="" xmlns:a14="http://schemas.microsoft.com/office/drawing/2010/main" w="9525">
                 <a:solidFill>
                   <a:srgbClr val="000000"/>
                 </a:solidFill>
@@ -1186,14 +1186,14 @@
           </a:ln>
           <a:extLst>
             <a:ext uri="{909E8E84-426E-40dd-AFC4-6F175D3DCCD1}">
-              <a14:hiddenFill xmlns="" xmlns:a14="http://schemas.microsoft.com/office/drawing/2010/main">
+              <a14:hiddenFill xmlns:a14="http://schemas.microsoft.com/office/drawing/2010/main" xmlns="">
                 <a:solidFill>
                   <a:srgbClr val="FFFFFF"/>
                 </a:solidFill>
               </a14:hiddenFill>
             </a:ext>
             <a:ext uri="{91240B29-F687-4f45-9708-019B960494DF}">
-              <a14:hiddenLine xmlns="" xmlns:a14="http://schemas.microsoft.com/office/drawing/2010/main" w="9525">
+              <a14:hiddenLine xmlns:a14="http://schemas.microsoft.com/office/drawing/2010/main" xmlns="" w="9525">
                 <a:solidFill>
                   <a:srgbClr val="000000"/>
                 </a:solidFill>
@@ -2773,181 +2773,6 @@
               <a:defRPr/>
             </a:pPr>
             <a:endParaRPr lang="en-US" sz="1350"/>
-          </a:p>
-        </p:txBody>
-      </p:sp>
-      <p:sp>
-        <p:nvSpPr>
-          <p:cNvPr id="9" name="TextBox 8">
-            <a:extLst>
-              <a:ext uri="{FF2B5EF4-FFF2-40B4-BE49-F238E27FC236}">
-                <a16:creationId xmlns:a16="http://schemas.microsoft.com/office/drawing/2014/main" id="{3E245822-ADFF-4540-9BD4-E4A28AC54380}"/>
-              </a:ext>
-            </a:extLst>
-          </p:cNvPr>
-          <p:cNvSpPr txBox="1">
-            <a:spLocks noChangeArrowheads="1"/>
-          </p:cNvSpPr>
-          <p:nvPr userDrawn="1"/>
-        </p:nvSpPr>
-        <p:spPr bwMode="auto">
-          <a:xfrm>
-            <a:off x="111760" y="6447904"/>
-            <a:ext cx="2521392" cy="369332"/>
-          </a:xfrm>
-          <a:prstGeom prst="rect">
-            <a:avLst/>
-          </a:prstGeom>
-          <a:noFill/>
-          <a:ln>
-            <a:noFill/>
-          </a:ln>
-          <a:extLst>
-            <a:ext uri="{909E8E84-426E-40dd-AFC4-6F175D3DCCD1}">
-              <a14:hiddenFill xmlns:a14="http://schemas.microsoft.com/office/drawing/2010/main" xmlns="">
-                <a:solidFill>
-                  <a:srgbClr val="FFFFFF"/>
-                </a:solidFill>
-              </a14:hiddenFill>
-            </a:ext>
-            <a:ext uri="{91240B29-F687-4f45-9708-019B960494DF}">
-              <a14:hiddenLine xmlns:a14="http://schemas.microsoft.com/office/drawing/2010/main" xmlns="" w="9525">
-                <a:solidFill>
-                  <a:srgbClr val="000000"/>
-                </a:solidFill>
-                <a:miter lim="800000"/>
-                <a:headEnd/>
-                <a:tailEnd/>
-              </a14:hiddenLine>
-            </a:ext>
-          </a:extLst>
-        </p:spPr>
-        <p:txBody>
-          <a:bodyPr wrap="square">
-            <a:spAutoFit/>
-          </a:bodyPr>
-          <a:lstStyle>
-            <a:lvl1pPr eaLnBrk="0" hangingPunct="0">
-              <a:defRPr sz="2400">
-                <a:solidFill>
-                  <a:schemeClr val="tx1"/>
-                </a:solidFill>
-                <a:latin typeface="Arial" charset="0"/>
-                <a:ea typeface="ＭＳ Ｐゴシック" charset="0"/>
-                <a:cs typeface="ＭＳ Ｐゴシック" charset="0"/>
-              </a:defRPr>
-            </a:lvl1pPr>
-            <a:lvl2pPr marL="742950" indent="-285750" eaLnBrk="0" hangingPunct="0">
-              <a:defRPr sz="2400">
-                <a:solidFill>
-                  <a:schemeClr val="tx1"/>
-                </a:solidFill>
-                <a:latin typeface="Arial" charset="0"/>
-                <a:ea typeface="ＭＳ Ｐゴシック" charset="0"/>
-              </a:defRPr>
-            </a:lvl2pPr>
-            <a:lvl3pPr marL="1143000" indent="-228600" eaLnBrk="0" hangingPunct="0">
-              <a:defRPr sz="2400">
-                <a:solidFill>
-                  <a:schemeClr val="tx1"/>
-                </a:solidFill>
-                <a:latin typeface="Arial" charset="0"/>
-                <a:ea typeface="ＭＳ Ｐゴシック" charset="0"/>
-              </a:defRPr>
-            </a:lvl3pPr>
-            <a:lvl4pPr marL="1600200" indent="-228600" eaLnBrk="0" hangingPunct="0">
-              <a:defRPr sz="2400">
-                <a:solidFill>
-                  <a:schemeClr val="tx1"/>
-                </a:solidFill>
-                <a:latin typeface="Arial" charset="0"/>
-                <a:ea typeface="ＭＳ Ｐゴシック" charset="0"/>
-              </a:defRPr>
-            </a:lvl4pPr>
-            <a:lvl5pPr marL="2057400" indent="-228600" eaLnBrk="0" hangingPunct="0">
-              <a:defRPr sz="2400">
-                <a:solidFill>
-                  <a:schemeClr val="tx1"/>
-                </a:solidFill>
-                <a:latin typeface="Arial" charset="0"/>
-                <a:ea typeface="ＭＳ Ｐゴシック" charset="0"/>
-              </a:defRPr>
-            </a:lvl5pPr>
-            <a:lvl6pPr marL="2514600" indent="-228600" eaLnBrk="0" fontAlgn="base" hangingPunct="0">
-              <a:spcBef>
-                <a:spcPct val="0"/>
-              </a:spcBef>
-              <a:spcAft>
-                <a:spcPct val="0"/>
-              </a:spcAft>
-              <a:defRPr sz="2400">
-                <a:solidFill>
-                  <a:schemeClr val="tx1"/>
-                </a:solidFill>
-                <a:latin typeface="Arial" charset="0"/>
-                <a:ea typeface="ＭＳ Ｐゴシック" charset="0"/>
-              </a:defRPr>
-            </a:lvl6pPr>
-            <a:lvl7pPr marL="2971800" indent="-228600" eaLnBrk="0" fontAlgn="base" hangingPunct="0">
-              <a:spcBef>
-                <a:spcPct val="0"/>
-              </a:spcBef>
-              <a:spcAft>
-                <a:spcPct val="0"/>
-              </a:spcAft>
-              <a:defRPr sz="2400">
-                <a:solidFill>
-                  <a:schemeClr val="tx1"/>
-                </a:solidFill>
-                <a:latin typeface="Arial" charset="0"/>
-                <a:ea typeface="ＭＳ Ｐゴシック" charset="0"/>
-              </a:defRPr>
-            </a:lvl7pPr>
-            <a:lvl8pPr marL="3429000" indent="-228600" eaLnBrk="0" fontAlgn="base" hangingPunct="0">
-              <a:spcBef>
-                <a:spcPct val="0"/>
-              </a:spcBef>
-              <a:spcAft>
-                <a:spcPct val="0"/>
-              </a:spcAft>
-              <a:defRPr sz="2400">
-                <a:solidFill>
-                  <a:schemeClr val="tx1"/>
-                </a:solidFill>
-                <a:latin typeface="Arial" charset="0"/>
-                <a:ea typeface="ＭＳ Ｐゴシック" charset="0"/>
-              </a:defRPr>
-            </a:lvl8pPr>
-            <a:lvl9pPr marL="3886200" indent="-228600" eaLnBrk="0" fontAlgn="base" hangingPunct="0">
-              <a:spcBef>
-                <a:spcPct val="0"/>
-              </a:spcBef>
-              <a:spcAft>
-                <a:spcPct val="0"/>
-              </a:spcAft>
-              <a:defRPr sz="2400">
-                <a:solidFill>
-                  <a:schemeClr val="tx1"/>
-                </a:solidFill>
-                <a:latin typeface="Arial" charset="0"/>
-                <a:ea typeface="ＭＳ Ｐゴシック" charset="0"/>
-              </a:defRPr>
-            </a:lvl9pPr>
-          </a:lstStyle>
-          <a:p>
-            <a:pPr eaLnBrk="1" hangingPunct="1">
-              <a:defRPr/>
-            </a:pPr>
-            <a:r>
-              <a:rPr lang="en-US" sz="1800" b="1" dirty="0">
-                <a:solidFill>
-                  <a:schemeClr val="bg1"/>
-                </a:solidFill>
-                <a:latin typeface="Calibri" charset="0"/>
-                <a:cs typeface="Calibri" charset="0"/>
-              </a:rPr>
-              <a:t>Module 1 </a:t>
-            </a:r>
           </a:p>
         </p:txBody>
       </p:sp>
@@ -3691,14 +3516,14 @@
           </a:ln>
           <a:extLst>
             <a:ext uri="{909E8E84-426E-40dd-AFC4-6F175D3DCCD1}">
-              <a14:hiddenFill xmlns="" xmlns:a14="http://schemas.microsoft.com/office/drawing/2010/main">
+              <a14:hiddenFill xmlns:a14="http://schemas.microsoft.com/office/drawing/2010/main" xmlns="">
                 <a:solidFill>
                   <a:srgbClr val="FFFFFF"/>
                 </a:solidFill>
               </a14:hiddenFill>
             </a:ext>
             <a:ext uri="{91240B29-F687-4f45-9708-019B960494DF}">
-              <a14:hiddenLine xmlns="" xmlns:a14="http://schemas.microsoft.com/office/drawing/2010/main" w="9525">
+              <a14:hiddenLine xmlns:a14="http://schemas.microsoft.com/office/drawing/2010/main" xmlns="" w="9525">
                 <a:solidFill>
                   <a:srgbClr val="000000"/>
                 </a:solidFill>
@@ -4061,7 +3886,7 @@
           <a:effectLst/>
           <a:extLst>
             <a:ext uri="{909E8E84-426E-40dd-AFC4-6F175D3DCCD1}">
-              <a14:hiddenFill xmlns="" xmlns:a14="http://schemas.microsoft.com/office/drawing/2010/main">
+              <a14:hiddenFill xmlns:a14="http://schemas.microsoft.com/office/drawing/2010/main" xmlns="">
                 <a:blipFill dpi="0" rotWithShape="0">
                   <a:blip/>
                   <a:srcRect/>
@@ -4072,7 +3897,7 @@
               </a14:hiddenFill>
             </a:ext>
             <a:ext uri="{91240B29-F687-4f45-9708-019B960494DF}">
-              <a14:hiddenLine xmlns="" xmlns:a14="http://schemas.microsoft.com/office/drawing/2010/main" w="9525" cap="flat">
+              <a14:hiddenLine xmlns:a14="http://schemas.microsoft.com/office/drawing/2010/main" xmlns="" w="9525" cap="flat">
                 <a:solidFill>
                   <a:srgbClr val="3465A4"/>
                 </a:solidFill>
@@ -4082,7 +3907,7 @@
               </a14:hiddenLine>
             </a:ext>
             <a:ext uri="{AF507438-7753-43e0-B8FC-AC1667EBCBE1}">
-              <a14:hiddenEffects xmlns="" xmlns:a14="http://schemas.microsoft.com/office/drawing/2010/main">
+              <a14:hiddenEffects xmlns:a14="http://schemas.microsoft.com/office/drawing/2010/main" xmlns="">
                 <a:effectLst>
                   <a:outerShdw blurRad="63500" dist="38099" dir="2700000" algn="ctr" rotWithShape="0">
                     <a:srgbClr val="000000">
@@ -4180,14 +4005,14 @@
           <a:effectLst/>
           <a:extLst>
             <a:ext uri="{909E8E84-426E-40dd-AFC4-6F175D3DCCD1}">
-              <a14:hiddenFill xmlns="" xmlns:a14="http://schemas.microsoft.com/office/drawing/2010/main">
+              <a14:hiddenFill xmlns:a14="http://schemas.microsoft.com/office/drawing/2010/main" xmlns="">
                 <a:solidFill>
                   <a:srgbClr val="FFFFFF"/>
                 </a:solidFill>
               </a14:hiddenFill>
             </a:ext>
             <a:ext uri="{91240B29-F687-4f45-9708-019B960494DF}">
-              <a14:hiddenLine xmlns="" xmlns:a14="http://schemas.microsoft.com/office/drawing/2010/main" w="9525" cap="flat">
+              <a14:hiddenLine xmlns:a14="http://schemas.microsoft.com/office/drawing/2010/main" xmlns="" w="9525" cap="flat">
                 <a:solidFill>
                   <a:srgbClr val="000000"/>
                 </a:solidFill>
@@ -4197,7 +4022,7 @@
               </a14:hiddenLine>
             </a:ext>
             <a:ext uri="{AF507438-7753-43e0-B8FC-AC1667EBCBE1}">
-              <a14:hiddenEffects xmlns="" xmlns:a14="http://schemas.microsoft.com/office/drawing/2010/main">
+              <a14:hiddenEffects xmlns:a14="http://schemas.microsoft.com/office/drawing/2010/main" xmlns="">
                 <a:effectLst>
                   <a:outerShdw blurRad="63500" dist="38099" dir="2700000" algn="ctr" rotWithShape="0">
                     <a:srgbClr val="000000">
@@ -4611,7 +4436,7 @@
           <a:effectLst/>
           <a:extLst>
             <a:ext uri="{909E8E84-426E-40dd-AFC4-6F175D3DCCD1}">
-              <a14:hiddenFill xmlns="" xmlns:a14="http://schemas.microsoft.com/office/drawing/2010/main">
+              <a14:hiddenFill xmlns:a14="http://schemas.microsoft.com/office/drawing/2010/main" xmlns="">
                 <a:blipFill dpi="0" rotWithShape="0">
                   <a:blip/>
                   <a:srcRect/>
@@ -4622,7 +4447,7 @@
               </a14:hiddenFill>
             </a:ext>
             <a:ext uri="{91240B29-F687-4f45-9708-019B960494DF}">
-              <a14:hiddenLine xmlns="" xmlns:a14="http://schemas.microsoft.com/office/drawing/2010/main" w="9525" cap="flat">
+              <a14:hiddenLine xmlns:a14="http://schemas.microsoft.com/office/drawing/2010/main" xmlns="" w="9525" cap="flat">
                 <a:solidFill>
                   <a:srgbClr val="3465A4"/>
                 </a:solidFill>
@@ -4632,7 +4457,7 @@
               </a14:hiddenLine>
             </a:ext>
             <a:ext uri="{AF507438-7753-43e0-B8FC-AC1667EBCBE1}">
-              <a14:hiddenEffects xmlns="" xmlns:a14="http://schemas.microsoft.com/office/drawing/2010/main">
+              <a14:hiddenEffects xmlns:a14="http://schemas.microsoft.com/office/drawing/2010/main" xmlns="">
                 <a:effectLst>
                   <a:outerShdw blurRad="63500" dist="38099" dir="2700000" algn="ctr" rotWithShape="0">
                     <a:srgbClr val="000000">
@@ -4687,7 +4512,7 @@
           <a:effectLst/>
           <a:extLst>
             <a:ext uri="{909E8E84-426E-40dd-AFC4-6F175D3DCCD1}">
-              <a14:hiddenFill xmlns="" xmlns:a14="http://schemas.microsoft.com/office/drawing/2010/main">
+              <a14:hiddenFill xmlns:a14="http://schemas.microsoft.com/office/drawing/2010/main" xmlns="">
                 <a:blipFill dpi="0" rotWithShape="0">
                   <a:blip/>
                   <a:srcRect/>
@@ -4698,7 +4523,7 @@
               </a14:hiddenFill>
             </a:ext>
             <a:ext uri="{91240B29-F687-4f45-9708-019B960494DF}">
-              <a14:hiddenLine xmlns="" xmlns:a14="http://schemas.microsoft.com/office/drawing/2010/main" w="9525" cap="flat">
+              <a14:hiddenLine xmlns:a14="http://schemas.microsoft.com/office/drawing/2010/main" xmlns="" w="9525" cap="flat">
                 <a:solidFill>
                   <a:srgbClr val="3465A4"/>
                 </a:solidFill>
@@ -4708,7 +4533,7 @@
               </a14:hiddenLine>
             </a:ext>
             <a:ext uri="{AF507438-7753-43e0-B8FC-AC1667EBCBE1}">
-              <a14:hiddenEffects xmlns="" xmlns:a14="http://schemas.microsoft.com/office/drawing/2010/main">
+              <a14:hiddenEffects xmlns:a14="http://schemas.microsoft.com/office/drawing/2010/main" xmlns="">
                 <a:effectLst>
                   <a:outerShdw blurRad="63500" dist="38099" dir="2700000" algn="ctr" rotWithShape="0">
                     <a:srgbClr val="000000">
@@ -4750,14 +4575,14 @@
           <a:effectLst/>
           <a:extLst>
             <a:ext uri="{909E8E84-426E-40dd-AFC4-6F175D3DCCD1}">
-              <a14:hiddenFill xmlns="" xmlns:a14="http://schemas.microsoft.com/office/drawing/2010/main">
+              <a14:hiddenFill xmlns:a14="http://schemas.microsoft.com/office/drawing/2010/main" xmlns="">
                 <a:solidFill>
                   <a:srgbClr val="FFFFFF"/>
                 </a:solidFill>
               </a14:hiddenFill>
             </a:ext>
             <a:ext uri="{91240B29-F687-4f45-9708-019B960494DF}">
-              <a14:hiddenLine xmlns="" xmlns:a14="http://schemas.microsoft.com/office/drawing/2010/main" w="9525" cap="flat">
+              <a14:hiddenLine xmlns:a14="http://schemas.microsoft.com/office/drawing/2010/main" xmlns="" w="9525" cap="flat">
                 <a:solidFill>
                   <a:srgbClr val="000000"/>
                 </a:solidFill>
@@ -4767,7 +4592,7 @@
               </a14:hiddenLine>
             </a:ext>
             <a:ext uri="{AF507438-7753-43e0-B8FC-AC1667EBCBE1}">
-              <a14:hiddenEffects xmlns="" xmlns:a14="http://schemas.microsoft.com/office/drawing/2010/main">
+              <a14:hiddenEffects xmlns:a14="http://schemas.microsoft.com/office/drawing/2010/main" xmlns="">
                 <a:effectLst>
                   <a:outerShdw blurRad="63500" dist="38099" dir="2700000" algn="ctr" rotWithShape="0">
                     <a:srgbClr val="000000">
@@ -5028,14 +4853,14 @@
           <a:effectLst/>
           <a:extLst>
             <a:ext uri="{909E8E84-426E-40dd-AFC4-6F175D3DCCD1}">
-              <a14:hiddenFill xmlns="" xmlns:a14="http://schemas.microsoft.com/office/drawing/2010/main">
+              <a14:hiddenFill xmlns:a14="http://schemas.microsoft.com/office/drawing/2010/main" xmlns="">
                 <a:solidFill>
                   <a:srgbClr val="FFFFFF"/>
                 </a:solidFill>
               </a14:hiddenFill>
             </a:ext>
             <a:ext uri="{91240B29-F687-4f45-9708-019B960494DF}">
-              <a14:hiddenLine xmlns="" xmlns:a14="http://schemas.microsoft.com/office/drawing/2010/main" w="9525" cap="flat">
+              <a14:hiddenLine xmlns:a14="http://schemas.microsoft.com/office/drawing/2010/main" xmlns="" w="9525" cap="flat">
                 <a:solidFill>
                   <a:srgbClr val="000000"/>
                 </a:solidFill>
@@ -5045,7 +4870,7 @@
               </a14:hiddenLine>
             </a:ext>
             <a:ext uri="{AF507438-7753-43e0-B8FC-AC1667EBCBE1}">
-              <a14:hiddenEffects xmlns="" xmlns:a14="http://schemas.microsoft.com/office/drawing/2010/main">
+              <a14:hiddenEffects xmlns:a14="http://schemas.microsoft.com/office/drawing/2010/main" xmlns="">
                 <a:effectLst>
                   <a:outerShdw blurRad="63500" dist="38099" dir="2700000" algn="ctr" rotWithShape="0">
                     <a:srgbClr val="000000">
@@ -5352,7 +5177,7 @@
           <a:effectLst/>
           <a:extLst>
             <a:ext uri="{909E8E84-426E-40dd-AFC4-6F175D3DCCD1}">
-              <a14:hiddenFill xmlns:a14="http://schemas.microsoft.com/office/drawing/2010/main" xmlns="">
+              <a14:hiddenFill xmlns="" xmlns:a14="http://schemas.microsoft.com/office/drawing/2010/main">
                 <a:blipFill dpi="0" rotWithShape="0">
                   <a:blip/>
                   <a:srcRect/>
@@ -5363,7 +5188,7 @@
               </a14:hiddenFill>
             </a:ext>
             <a:ext uri="{91240B29-F687-4f45-9708-019B960494DF}">
-              <a14:hiddenLine xmlns:a14="http://schemas.microsoft.com/office/drawing/2010/main" xmlns="" w="9525" cap="flat">
+              <a14:hiddenLine xmlns="" xmlns:a14="http://schemas.microsoft.com/office/drawing/2010/main" w="9525" cap="flat">
                 <a:solidFill>
                   <a:srgbClr val="3465A4"/>
                 </a:solidFill>
@@ -5373,7 +5198,7 @@
               </a14:hiddenLine>
             </a:ext>
             <a:ext uri="{AF507438-7753-43e0-B8FC-AC1667EBCBE1}">
-              <a14:hiddenEffects xmlns:a14="http://schemas.microsoft.com/office/drawing/2010/main" xmlns="">
+              <a14:hiddenEffects xmlns="" xmlns:a14="http://schemas.microsoft.com/office/drawing/2010/main">
                 <a:effectLst>
                   <a:outerShdw blurRad="63500" dist="38099" dir="2700000" algn="ctr" rotWithShape="0">
                     <a:srgbClr val="000000">
@@ -5422,7 +5247,7 @@
           <a:effectLst/>
           <a:extLst>
             <a:ext uri="{909E8E84-426E-40dd-AFC4-6F175D3DCCD1}">
-              <a14:hiddenFill xmlns:a14="http://schemas.microsoft.com/office/drawing/2010/main" xmlns="">
+              <a14:hiddenFill xmlns="" xmlns:a14="http://schemas.microsoft.com/office/drawing/2010/main">
                 <a:blipFill dpi="0" rotWithShape="0">
                   <a:blip/>
                   <a:srcRect/>
@@ -5433,7 +5258,7 @@
               </a14:hiddenFill>
             </a:ext>
             <a:ext uri="{91240B29-F687-4f45-9708-019B960494DF}">
-              <a14:hiddenLine xmlns:a14="http://schemas.microsoft.com/office/drawing/2010/main" xmlns="" w="9525" cap="flat">
+              <a14:hiddenLine xmlns="" xmlns:a14="http://schemas.microsoft.com/office/drawing/2010/main" w="9525" cap="flat">
                 <a:solidFill>
                   <a:srgbClr val="3465A4"/>
                 </a:solidFill>
@@ -5443,7 +5268,7 @@
               </a14:hiddenLine>
             </a:ext>
             <a:ext uri="{AF507438-7753-43e0-B8FC-AC1667EBCBE1}">
-              <a14:hiddenEffects xmlns:a14="http://schemas.microsoft.com/office/drawing/2010/main" xmlns="">
+              <a14:hiddenEffects xmlns="" xmlns:a14="http://schemas.microsoft.com/office/drawing/2010/main">
                 <a:effectLst>
                   <a:outerShdw blurRad="63500" dist="38099" dir="2700000" algn="ctr" rotWithShape="0">
                     <a:srgbClr val="000000">
@@ -5479,14 +5304,14 @@
           <a:effectLst/>
           <a:extLst>
             <a:ext uri="{909E8E84-426E-40dd-AFC4-6F175D3DCCD1}">
-              <a14:hiddenFill xmlns:a14="http://schemas.microsoft.com/office/drawing/2010/main" xmlns="">
+              <a14:hiddenFill xmlns="" xmlns:a14="http://schemas.microsoft.com/office/drawing/2010/main">
                 <a:solidFill>
                   <a:srgbClr val="FFFFFF"/>
                 </a:solidFill>
               </a14:hiddenFill>
             </a:ext>
             <a:ext uri="{91240B29-F687-4f45-9708-019B960494DF}">
-              <a14:hiddenLine xmlns:a14="http://schemas.microsoft.com/office/drawing/2010/main" xmlns="" w="9525" cap="flat">
+              <a14:hiddenLine xmlns="" xmlns:a14="http://schemas.microsoft.com/office/drawing/2010/main" w="9525" cap="flat">
                 <a:solidFill>
                   <a:srgbClr val="000000"/>
                 </a:solidFill>
@@ -5496,7 +5321,7 @@
               </a14:hiddenLine>
             </a:ext>
             <a:ext uri="{AF507438-7753-43e0-B8FC-AC1667EBCBE1}">
-              <a14:hiddenEffects xmlns:a14="http://schemas.microsoft.com/office/drawing/2010/main" xmlns="">
+              <a14:hiddenEffects xmlns="" xmlns:a14="http://schemas.microsoft.com/office/drawing/2010/main">
                 <a:effectLst>
                   <a:outerShdw blurRad="63500" dist="38099" dir="2700000" algn="ctr" rotWithShape="0">
                     <a:srgbClr val="000000">
@@ -5897,7 +5722,7 @@
           <a:effectLst/>
           <a:extLst>
             <a:ext uri="{909E8E84-426E-40dd-AFC4-6F175D3DCCD1}">
-              <a14:hiddenFill xmlns:a14="http://schemas.microsoft.com/office/drawing/2010/main" xmlns="">
+              <a14:hiddenFill xmlns="" xmlns:a14="http://schemas.microsoft.com/office/drawing/2010/main">
                 <a:blipFill dpi="0" rotWithShape="0">
                   <a:blip/>
                   <a:srcRect/>
@@ -5908,7 +5733,7 @@
               </a14:hiddenFill>
             </a:ext>
             <a:ext uri="{91240B29-F687-4f45-9708-019B960494DF}">
-              <a14:hiddenLine xmlns:a14="http://schemas.microsoft.com/office/drawing/2010/main" xmlns="" w="9525" cap="flat">
+              <a14:hiddenLine xmlns="" xmlns:a14="http://schemas.microsoft.com/office/drawing/2010/main" w="9525" cap="flat">
                 <a:solidFill>
                   <a:srgbClr val="3465A4"/>
                 </a:solidFill>
@@ -5918,7 +5743,7 @@
               </a14:hiddenLine>
             </a:ext>
             <a:ext uri="{AF507438-7753-43e0-B8FC-AC1667EBCBE1}">
-              <a14:hiddenEffects xmlns:a14="http://schemas.microsoft.com/office/drawing/2010/main" xmlns="">
+              <a14:hiddenEffects xmlns="" xmlns:a14="http://schemas.microsoft.com/office/drawing/2010/main">
                 <a:effectLst>
                   <a:outerShdw blurRad="63500" dist="38099" dir="2700000" algn="ctr" rotWithShape="0">
                     <a:srgbClr val="000000">
@@ -5954,14 +5779,14 @@
           <a:effectLst/>
           <a:extLst>
             <a:ext uri="{909E8E84-426E-40dd-AFC4-6F175D3DCCD1}">
-              <a14:hiddenFill xmlns:a14="http://schemas.microsoft.com/office/drawing/2010/main" xmlns="">
+              <a14:hiddenFill xmlns="" xmlns:a14="http://schemas.microsoft.com/office/drawing/2010/main">
                 <a:solidFill>
                   <a:srgbClr val="FFFFFF"/>
                 </a:solidFill>
               </a14:hiddenFill>
             </a:ext>
             <a:ext uri="{91240B29-F687-4f45-9708-019B960494DF}">
-              <a14:hiddenLine xmlns:a14="http://schemas.microsoft.com/office/drawing/2010/main" xmlns="" w="9525" cap="flat">
+              <a14:hiddenLine xmlns="" xmlns:a14="http://schemas.microsoft.com/office/drawing/2010/main" w="9525" cap="flat">
                 <a:solidFill>
                   <a:srgbClr val="000000"/>
                 </a:solidFill>
@@ -5971,7 +5796,7 @@
               </a14:hiddenLine>
             </a:ext>
             <a:ext uri="{AF507438-7753-43e0-B8FC-AC1667EBCBE1}">
-              <a14:hiddenEffects xmlns:a14="http://schemas.microsoft.com/office/drawing/2010/main" xmlns="">
+              <a14:hiddenEffects xmlns="" xmlns:a14="http://schemas.microsoft.com/office/drawing/2010/main">
                 <a:effectLst>
                   <a:outerShdw blurRad="63500" dist="38099" dir="2700000" algn="ctr" rotWithShape="0">
                     <a:srgbClr val="000000">
@@ -6254,14 +6079,14 @@
           <a:effectLst/>
           <a:extLst>
             <a:ext uri="{909E8E84-426E-40dd-AFC4-6F175D3DCCD1}">
-              <a14:hiddenFill xmlns:a14="http://schemas.microsoft.com/office/drawing/2010/main" xmlns="">
+              <a14:hiddenFill xmlns="" xmlns:a14="http://schemas.microsoft.com/office/drawing/2010/main">
                 <a:solidFill>
                   <a:srgbClr val="FFFFFF"/>
                 </a:solidFill>
               </a14:hiddenFill>
             </a:ext>
             <a:ext uri="{91240B29-F687-4f45-9708-019B960494DF}">
-              <a14:hiddenLine xmlns:a14="http://schemas.microsoft.com/office/drawing/2010/main" xmlns="" w="9525" cap="flat">
+              <a14:hiddenLine xmlns="" xmlns:a14="http://schemas.microsoft.com/office/drawing/2010/main" w="9525" cap="flat">
                 <a:solidFill>
                   <a:srgbClr val="3465A4"/>
                 </a:solidFill>
@@ -6271,7 +6096,7 @@
               </a14:hiddenLine>
             </a:ext>
             <a:ext uri="{AF507438-7753-43e0-B8FC-AC1667EBCBE1}">
-              <a14:hiddenEffects xmlns:a14="http://schemas.microsoft.com/office/drawing/2010/main" xmlns="">
+              <a14:hiddenEffects xmlns="" xmlns:a14="http://schemas.microsoft.com/office/drawing/2010/main">
                 <a:effectLst>
                   <a:outerShdw blurRad="63500" dist="38099" dir="2700000" algn="ctr" rotWithShape="0">
                     <a:srgbClr val="000000">
@@ -6633,14 +6458,14 @@
           </a:ln>
           <a:extLst>
             <a:ext uri="{909E8E84-426E-40dd-AFC4-6F175D3DCCD1}">
-              <a14:hiddenFill xmlns:a14="http://schemas.microsoft.com/office/drawing/2010/main" xmlns="">
+              <a14:hiddenFill xmlns="" xmlns:a14="http://schemas.microsoft.com/office/drawing/2010/main">
                 <a:solidFill>
                   <a:srgbClr val="FFFFFF"/>
                 </a:solidFill>
               </a14:hiddenFill>
             </a:ext>
             <a:ext uri="{91240B29-F687-4f45-9708-019B960494DF}">
-              <a14:hiddenLine xmlns:a14="http://schemas.microsoft.com/office/drawing/2010/main" xmlns="" w="9525">
+              <a14:hiddenLine xmlns="" xmlns:a14="http://schemas.microsoft.com/office/drawing/2010/main" w="9525">
                 <a:solidFill>
                   <a:srgbClr val="000000"/>
                 </a:solidFill>
@@ -6915,7 +6740,7 @@
     </p:spTree>
     <p:extLst>
       <p:ext uri="{BB962C8B-B14F-4D97-AF65-F5344CB8AC3E}">
-        <p14:creationId xmlns:p14="http://schemas.microsoft.com/office/powerpoint/2010/main" val="3238349181"/>
+        <p14:creationId xmlns:p14="http://schemas.microsoft.com/office/powerpoint/2010/main" val="2496184701"/>
       </p:ext>
     </p:extLst>
   </p:cSld>
@@ -7209,14 +7034,14 @@
           </a:ln>
           <a:extLst>
             <a:ext uri="{909E8E84-426E-40dd-AFC4-6F175D3DCCD1}">
-              <a14:hiddenFill xmlns:a14="http://schemas.microsoft.com/office/drawing/2010/main" xmlns="">
+              <a14:hiddenFill xmlns="" xmlns:a14="http://schemas.microsoft.com/office/drawing/2010/main">
                 <a:solidFill>
                   <a:srgbClr val="FFFFFF"/>
                 </a:solidFill>
               </a14:hiddenFill>
             </a:ext>
             <a:ext uri="{91240B29-F687-4f45-9708-019B960494DF}">
-              <a14:hiddenLine xmlns:a14="http://schemas.microsoft.com/office/drawing/2010/main" xmlns="" w="9525">
+              <a14:hiddenLine xmlns="" xmlns:a14="http://schemas.microsoft.com/office/drawing/2010/main" w="9525">
                 <a:solidFill>
                   <a:srgbClr val="000000"/>
                 </a:solidFill>
@@ -7405,14 +7230,14 @@
           </a:ln>
           <a:extLst>
             <a:ext uri="{909E8E84-426E-40dd-AFC4-6F175D3DCCD1}">
-              <a14:hiddenFill xmlns:a14="http://schemas.microsoft.com/office/drawing/2010/main" xmlns="">
+              <a14:hiddenFill xmlns="" xmlns:a14="http://schemas.microsoft.com/office/drawing/2010/main">
                 <a:solidFill>
                   <a:srgbClr val="FFFFFF"/>
                 </a:solidFill>
               </a14:hiddenFill>
             </a:ext>
             <a:ext uri="{91240B29-F687-4f45-9708-019B960494DF}">
-              <a14:hiddenLine xmlns:a14="http://schemas.microsoft.com/office/drawing/2010/main" xmlns="" w="9525">
+              <a14:hiddenLine xmlns="" xmlns:a14="http://schemas.microsoft.com/office/drawing/2010/main" w="9525">
                 <a:solidFill>
                   <a:srgbClr val="000000"/>
                 </a:solidFill>
@@ -7601,14 +7426,14 @@
           </a:ln>
           <a:extLst>
             <a:ext uri="{909E8E84-426E-40dd-AFC4-6F175D3DCCD1}">
-              <a14:hiddenFill xmlns:a14="http://schemas.microsoft.com/office/drawing/2010/main" xmlns="">
+              <a14:hiddenFill xmlns="" xmlns:a14="http://schemas.microsoft.com/office/drawing/2010/main">
                 <a:solidFill>
                   <a:srgbClr val="FFFFFF"/>
                 </a:solidFill>
               </a14:hiddenFill>
             </a:ext>
             <a:ext uri="{91240B29-F687-4f45-9708-019B960494DF}">
-              <a14:hiddenLine xmlns:a14="http://schemas.microsoft.com/office/drawing/2010/main" xmlns="" w="9525">
+              <a14:hiddenLine xmlns="" xmlns:a14="http://schemas.microsoft.com/office/drawing/2010/main" w="9525">
                 <a:solidFill>
                   <a:srgbClr val="000000"/>
                 </a:solidFill>
@@ -7762,14 +7587,14 @@
           </a:ln>
           <a:extLst>
             <a:ext uri="{909E8E84-426E-40dd-AFC4-6F175D3DCCD1}">
-              <a14:hiddenFill xmlns:a14="http://schemas.microsoft.com/office/drawing/2010/main" xmlns="">
+              <a14:hiddenFill xmlns="" xmlns:a14="http://schemas.microsoft.com/office/drawing/2010/main">
                 <a:solidFill>
                   <a:srgbClr val="FFFFFF"/>
                 </a:solidFill>
               </a14:hiddenFill>
             </a:ext>
             <a:ext uri="{91240B29-F687-4f45-9708-019B960494DF}">
-              <a14:hiddenLine xmlns:a14="http://schemas.microsoft.com/office/drawing/2010/main" xmlns="" w="9525">
+              <a14:hiddenLine xmlns="" xmlns:a14="http://schemas.microsoft.com/office/drawing/2010/main" w="9525">
                 <a:solidFill>
                   <a:srgbClr val="000000"/>
                 </a:solidFill>
@@ -7958,14 +7783,14 @@
           </a:ln>
           <a:extLst>
             <a:ext uri="{909E8E84-426E-40dd-AFC4-6F175D3DCCD1}">
-              <a14:hiddenFill xmlns:a14="http://schemas.microsoft.com/office/drawing/2010/main" xmlns="">
+              <a14:hiddenFill xmlns="" xmlns:a14="http://schemas.microsoft.com/office/drawing/2010/main">
                 <a:solidFill>
                   <a:srgbClr val="FFFFFF"/>
                 </a:solidFill>
               </a14:hiddenFill>
             </a:ext>
             <a:ext uri="{91240B29-F687-4f45-9708-019B960494DF}">
-              <a14:hiddenLine xmlns:a14="http://schemas.microsoft.com/office/drawing/2010/main" xmlns="" w="9525">
+              <a14:hiddenLine xmlns="" xmlns:a14="http://schemas.microsoft.com/office/drawing/2010/main" w="9525">
                 <a:solidFill>
                   <a:srgbClr val="000000"/>
                 </a:solidFill>
@@ -8196,14 +8021,14 @@
           </a:ln>
           <a:extLst>
             <a:ext uri="{909E8E84-426E-40dd-AFC4-6F175D3DCCD1}">
-              <a14:hiddenFill xmlns:a14="http://schemas.microsoft.com/office/drawing/2010/main" xmlns="">
+              <a14:hiddenFill xmlns="" xmlns:a14="http://schemas.microsoft.com/office/drawing/2010/main">
                 <a:solidFill>
                   <a:srgbClr val="FFFFFF"/>
                 </a:solidFill>
               </a14:hiddenFill>
             </a:ext>
             <a:ext uri="{91240B29-F687-4f45-9708-019B960494DF}">
-              <a14:hiddenLine xmlns:a14="http://schemas.microsoft.com/office/drawing/2010/main" xmlns="" w="9525">
+              <a14:hiddenLine xmlns="" xmlns:a14="http://schemas.microsoft.com/office/drawing/2010/main" w="9525">
                 <a:solidFill>
                   <a:srgbClr val="000000"/>
                 </a:solidFill>
@@ -8392,14 +8217,14 @@
           </a:ln>
           <a:extLst>
             <a:ext uri="{909E8E84-426E-40dd-AFC4-6F175D3DCCD1}">
-              <a14:hiddenFill xmlns:a14="http://schemas.microsoft.com/office/drawing/2010/main" xmlns="">
+              <a14:hiddenFill xmlns="" xmlns:a14="http://schemas.microsoft.com/office/drawing/2010/main">
                 <a:solidFill>
                   <a:srgbClr val="FFFFFF"/>
                 </a:solidFill>
               </a14:hiddenFill>
             </a:ext>
             <a:ext uri="{91240B29-F687-4f45-9708-019B960494DF}">
-              <a14:hiddenLine xmlns:a14="http://schemas.microsoft.com/office/drawing/2010/main" xmlns="" w="9525">
+              <a14:hiddenLine xmlns="" xmlns:a14="http://schemas.microsoft.com/office/drawing/2010/main" w="9525">
                 <a:solidFill>
                   <a:srgbClr val="000000"/>
                 </a:solidFill>
@@ -8588,14 +8413,14 @@
           </a:ln>
           <a:extLst>
             <a:ext uri="{909E8E84-426E-40dd-AFC4-6F175D3DCCD1}">
-              <a14:hiddenFill xmlns:a14="http://schemas.microsoft.com/office/drawing/2010/main" xmlns="">
+              <a14:hiddenFill xmlns="" xmlns:a14="http://schemas.microsoft.com/office/drawing/2010/main">
                 <a:solidFill>
                   <a:srgbClr val="FFFFFF"/>
                 </a:solidFill>
               </a14:hiddenFill>
             </a:ext>
             <a:ext uri="{91240B29-F687-4f45-9708-019B960494DF}">
-              <a14:hiddenLine xmlns:a14="http://schemas.microsoft.com/office/drawing/2010/main" xmlns="" w="9525">
+              <a14:hiddenLine xmlns="" xmlns:a14="http://schemas.microsoft.com/office/drawing/2010/main" w="9525">
                 <a:solidFill>
                   <a:srgbClr val="000000"/>
                 </a:solidFill>
@@ -8791,14 +8616,14 @@
           </a:ln>
           <a:extLst>
             <a:ext uri="{909E8E84-426E-40dd-AFC4-6F175D3DCCD1}">
-              <a14:hiddenFill xmlns:a14="http://schemas.microsoft.com/office/drawing/2010/main" xmlns="">
+              <a14:hiddenFill xmlns="" xmlns:a14="http://schemas.microsoft.com/office/drawing/2010/main">
                 <a:solidFill>
                   <a:srgbClr val="FFFFFF"/>
                 </a:solidFill>
               </a14:hiddenFill>
             </a:ext>
             <a:ext uri="{91240B29-F687-4f45-9708-019B960494DF}">
-              <a14:hiddenLine xmlns:a14="http://schemas.microsoft.com/office/drawing/2010/main" xmlns="" w="9525">
+              <a14:hiddenLine xmlns="" xmlns:a14="http://schemas.microsoft.com/office/drawing/2010/main" w="9525">
                 <a:solidFill>
                   <a:srgbClr val="000000"/>
                 </a:solidFill>
@@ -8987,14 +8812,14 @@
           </a:ln>
           <a:extLst>
             <a:ext uri="{909E8E84-426E-40dd-AFC4-6F175D3DCCD1}">
-              <a14:hiddenFill xmlns:a14="http://schemas.microsoft.com/office/drawing/2010/main" xmlns="">
+              <a14:hiddenFill xmlns="" xmlns:a14="http://schemas.microsoft.com/office/drawing/2010/main">
                 <a:solidFill>
                   <a:srgbClr val="FFFFFF"/>
                 </a:solidFill>
               </a14:hiddenFill>
             </a:ext>
             <a:ext uri="{91240B29-F687-4f45-9708-019B960494DF}">
-              <a14:hiddenLine xmlns:a14="http://schemas.microsoft.com/office/drawing/2010/main" xmlns="" w="9525">
+              <a14:hiddenLine xmlns="" xmlns:a14="http://schemas.microsoft.com/office/drawing/2010/main" w="9525">
                 <a:solidFill>
                   <a:srgbClr val="000000"/>
                 </a:solidFill>
@@ -9190,14 +9015,14 @@
           </a:ln>
           <a:extLst>
             <a:ext uri="{909E8E84-426E-40dd-AFC4-6F175D3DCCD1}">
-              <a14:hiddenFill xmlns:a14="http://schemas.microsoft.com/office/drawing/2010/main" xmlns="">
+              <a14:hiddenFill xmlns="" xmlns:a14="http://schemas.microsoft.com/office/drawing/2010/main">
                 <a:solidFill>
                   <a:srgbClr val="FFFFFF"/>
                 </a:solidFill>
               </a14:hiddenFill>
             </a:ext>
             <a:ext uri="{91240B29-F687-4f45-9708-019B960494DF}">
-              <a14:hiddenLine xmlns:a14="http://schemas.microsoft.com/office/drawing/2010/main" xmlns="" w="9525">
+              <a14:hiddenLine xmlns="" xmlns:a14="http://schemas.microsoft.com/office/drawing/2010/main" w="9525">
                 <a:solidFill>
                   <a:srgbClr val="000000"/>
                 </a:solidFill>
@@ -9393,14 +9218,14 @@
           </a:ln>
           <a:extLst>
             <a:ext uri="{909E8E84-426E-40dd-AFC4-6F175D3DCCD1}">
-              <a14:hiddenFill xmlns:a14="http://schemas.microsoft.com/office/drawing/2010/main" xmlns="">
+              <a14:hiddenFill xmlns="" xmlns:a14="http://schemas.microsoft.com/office/drawing/2010/main">
                 <a:solidFill>
                   <a:srgbClr val="FFFFFF"/>
                 </a:solidFill>
               </a14:hiddenFill>
             </a:ext>
             <a:ext uri="{91240B29-F687-4f45-9708-019B960494DF}">
-              <a14:hiddenLine xmlns:a14="http://schemas.microsoft.com/office/drawing/2010/main" xmlns="" w="9525">
+              <a14:hiddenLine xmlns="" xmlns:a14="http://schemas.microsoft.com/office/drawing/2010/main" w="9525">
                 <a:solidFill>
                   <a:srgbClr val="000000"/>
                 </a:solidFill>
@@ -9887,7 +9712,7 @@
           <a:effectLst/>
           <a:extLst>
             <a:ext uri="{909E8E84-426E-40dd-AFC4-6F175D3DCCD1}">
-              <a14:hiddenFill xmlns:a14="http://schemas.microsoft.com/office/drawing/2010/main" xmlns="">
+              <a14:hiddenFill xmlns="" xmlns:a14="http://schemas.microsoft.com/office/drawing/2010/main">
                 <a:blipFill dpi="0" rotWithShape="0">
                   <a:blip/>
                   <a:srcRect/>
@@ -9898,7 +9723,7 @@
               </a14:hiddenFill>
             </a:ext>
             <a:ext uri="{91240B29-F687-4f45-9708-019B960494DF}">
-              <a14:hiddenLine xmlns:a14="http://schemas.microsoft.com/office/drawing/2010/main" xmlns="" w="9525" cap="flat">
+              <a14:hiddenLine xmlns="" xmlns:a14="http://schemas.microsoft.com/office/drawing/2010/main" w="9525" cap="flat">
                 <a:solidFill>
                   <a:srgbClr val="3465A4"/>
                 </a:solidFill>
@@ -9908,7 +9733,7 @@
               </a14:hiddenLine>
             </a:ext>
             <a:ext uri="{AF507438-7753-43e0-B8FC-AC1667EBCBE1}">
-              <a14:hiddenEffects xmlns:a14="http://schemas.microsoft.com/office/drawing/2010/main" xmlns="">
+              <a14:hiddenEffects xmlns="" xmlns:a14="http://schemas.microsoft.com/office/drawing/2010/main">
                 <a:effectLst>
                   <a:outerShdw blurRad="63500" dist="38099" dir="2700000" algn="ctr" rotWithShape="0">
                     <a:srgbClr val="000000">
@@ -9957,7 +9782,7 @@
           <a:effectLst/>
           <a:extLst>
             <a:ext uri="{909E8E84-426E-40dd-AFC4-6F175D3DCCD1}">
-              <a14:hiddenFill xmlns:a14="http://schemas.microsoft.com/office/drawing/2010/main" xmlns="">
+              <a14:hiddenFill xmlns="" xmlns:a14="http://schemas.microsoft.com/office/drawing/2010/main">
                 <a:blipFill dpi="0" rotWithShape="0">
                   <a:blip/>
                   <a:srcRect/>
@@ -9968,7 +9793,7 @@
               </a14:hiddenFill>
             </a:ext>
             <a:ext uri="{91240B29-F687-4f45-9708-019B960494DF}">
-              <a14:hiddenLine xmlns:a14="http://schemas.microsoft.com/office/drawing/2010/main" xmlns="" w="9525" cap="flat">
+              <a14:hiddenLine xmlns="" xmlns:a14="http://schemas.microsoft.com/office/drawing/2010/main" w="9525" cap="flat">
                 <a:solidFill>
                   <a:srgbClr val="3465A4"/>
                 </a:solidFill>
@@ -9978,7 +9803,7 @@
               </a14:hiddenLine>
             </a:ext>
             <a:ext uri="{AF507438-7753-43e0-B8FC-AC1667EBCBE1}">
-              <a14:hiddenEffects xmlns:a14="http://schemas.microsoft.com/office/drawing/2010/main" xmlns="">
+              <a14:hiddenEffects xmlns="" xmlns:a14="http://schemas.microsoft.com/office/drawing/2010/main">
                 <a:effectLst>
                   <a:outerShdw blurRad="63500" dist="38099" dir="2700000" algn="ctr" rotWithShape="0">
                     <a:srgbClr val="000000">
@@ -10019,12 +9844,12 @@
           <a:effectLst/>
           <a:extLst>
             <a:ext uri="{909E8E84-426E-40dd-AFC4-6F175D3DCCD1}">
-              <a14:hiddenFill xmlns:a14="http://schemas.microsoft.com/office/drawing/2010/main" xmlns="">
+              <a14:hiddenFill xmlns="" xmlns:a14="http://schemas.microsoft.com/office/drawing/2010/main">
                 <a:noFill/>
               </a14:hiddenFill>
             </a:ext>
             <a:ext uri="{AF507438-7753-43e0-B8FC-AC1667EBCBE1}">
-              <a14:hiddenEffects xmlns:a14="http://schemas.microsoft.com/office/drawing/2010/main" xmlns="">
+              <a14:hiddenEffects xmlns="" xmlns:a14="http://schemas.microsoft.com/office/drawing/2010/main">
                 <a:effectLst>
                   <a:outerShdw blurRad="63500" dist="38099" dir="2700000" algn="ctr" rotWithShape="0">
                     <a:srgbClr val="000000">
@@ -10067,14 +9892,14 @@
           <a:effectLst/>
           <a:extLst>
             <a:ext uri="{909E8E84-426E-40dd-AFC4-6F175D3DCCD1}">
-              <a14:hiddenFill xmlns:a14="http://schemas.microsoft.com/office/drawing/2010/main" xmlns="">
+              <a14:hiddenFill xmlns="" xmlns:a14="http://schemas.microsoft.com/office/drawing/2010/main">
                 <a:solidFill>
                   <a:srgbClr val="FFFFFF"/>
                 </a:solidFill>
               </a14:hiddenFill>
             </a:ext>
             <a:ext uri="{91240B29-F687-4f45-9708-019B960494DF}">
-              <a14:hiddenLine xmlns:a14="http://schemas.microsoft.com/office/drawing/2010/main" xmlns="" w="9525" cap="flat">
+              <a14:hiddenLine xmlns="" xmlns:a14="http://schemas.microsoft.com/office/drawing/2010/main" w="9525" cap="flat">
                 <a:solidFill>
                   <a:srgbClr val="000000"/>
                 </a:solidFill>
@@ -10084,7 +9909,7 @@
               </a14:hiddenLine>
             </a:ext>
             <a:ext uri="{AF507438-7753-43e0-B8FC-AC1667EBCBE1}">
-              <a14:hiddenEffects xmlns:a14="http://schemas.microsoft.com/office/drawing/2010/main" xmlns="">
+              <a14:hiddenEffects xmlns="" xmlns:a14="http://schemas.microsoft.com/office/drawing/2010/main">
                 <a:effectLst>
                   <a:outerShdw blurRad="63500" dist="38099" dir="2700000" algn="ctr" rotWithShape="0">
                     <a:srgbClr val="000000">
@@ -10400,7 +10225,7 @@
           <a:effectLst/>
           <a:extLst>
             <a:ext uri="{909E8E84-426E-40dd-AFC4-6F175D3DCCD1}">
-              <a14:hiddenFill xmlns:a14="http://schemas.microsoft.com/office/drawing/2010/main" xmlns="">
+              <a14:hiddenFill xmlns="" xmlns:a14="http://schemas.microsoft.com/office/drawing/2010/main">
                 <a:blipFill dpi="0" rotWithShape="0">
                   <a:blip/>
                   <a:srcRect/>
@@ -10411,7 +10236,7 @@
               </a14:hiddenFill>
             </a:ext>
             <a:ext uri="{91240B29-F687-4f45-9708-019B960494DF}">
-              <a14:hiddenLine xmlns:a14="http://schemas.microsoft.com/office/drawing/2010/main" xmlns="" w="9525" cap="flat">
+              <a14:hiddenLine xmlns="" xmlns:a14="http://schemas.microsoft.com/office/drawing/2010/main" w="9525" cap="flat">
                 <a:solidFill>
                   <a:srgbClr val="3465A4"/>
                 </a:solidFill>
@@ -10421,7 +10246,7 @@
               </a14:hiddenLine>
             </a:ext>
             <a:ext uri="{AF507438-7753-43e0-B8FC-AC1667EBCBE1}">
-              <a14:hiddenEffects xmlns:a14="http://schemas.microsoft.com/office/drawing/2010/main" xmlns="">
+              <a14:hiddenEffects xmlns="" xmlns:a14="http://schemas.microsoft.com/office/drawing/2010/main">
                 <a:effectLst>
                   <a:outerShdw blurRad="63500" dist="38099" dir="2700000" algn="ctr" rotWithShape="0">
                     <a:srgbClr val="000000">
@@ -10470,7 +10295,7 @@
           <a:effectLst/>
           <a:extLst>
             <a:ext uri="{909E8E84-426E-40dd-AFC4-6F175D3DCCD1}">
-              <a14:hiddenFill xmlns:a14="http://schemas.microsoft.com/office/drawing/2010/main" xmlns="">
+              <a14:hiddenFill xmlns="" xmlns:a14="http://schemas.microsoft.com/office/drawing/2010/main">
                 <a:blipFill dpi="0" rotWithShape="0">
                   <a:blip/>
                   <a:srcRect/>
@@ -10481,7 +10306,7 @@
               </a14:hiddenFill>
             </a:ext>
             <a:ext uri="{91240B29-F687-4f45-9708-019B960494DF}">
-              <a14:hiddenLine xmlns:a14="http://schemas.microsoft.com/office/drawing/2010/main" xmlns="" w="9525" cap="flat">
+              <a14:hiddenLine xmlns="" xmlns:a14="http://schemas.microsoft.com/office/drawing/2010/main" w="9525" cap="flat">
                 <a:solidFill>
                   <a:srgbClr val="3465A4"/>
                 </a:solidFill>
@@ -10491,7 +10316,7 @@
               </a14:hiddenLine>
             </a:ext>
             <a:ext uri="{AF507438-7753-43e0-B8FC-AC1667EBCBE1}">
-              <a14:hiddenEffects xmlns:a14="http://schemas.microsoft.com/office/drawing/2010/main" xmlns="">
+              <a14:hiddenEffects xmlns="" xmlns:a14="http://schemas.microsoft.com/office/drawing/2010/main">
                 <a:effectLst>
                   <a:outerShdw blurRad="63500" dist="38099" dir="2700000" algn="ctr" rotWithShape="0">
                     <a:srgbClr val="000000">
@@ -10527,14 +10352,14 @@
           <a:effectLst/>
           <a:extLst>
             <a:ext uri="{909E8E84-426E-40dd-AFC4-6F175D3DCCD1}">
-              <a14:hiddenFill xmlns:a14="http://schemas.microsoft.com/office/drawing/2010/main" xmlns="">
+              <a14:hiddenFill xmlns="" xmlns:a14="http://schemas.microsoft.com/office/drawing/2010/main">
                 <a:solidFill>
                   <a:srgbClr val="FFFFFF"/>
                 </a:solidFill>
               </a14:hiddenFill>
             </a:ext>
             <a:ext uri="{91240B29-F687-4f45-9708-019B960494DF}">
-              <a14:hiddenLine xmlns:a14="http://schemas.microsoft.com/office/drawing/2010/main" xmlns="" w="9525" cap="flat">
+              <a14:hiddenLine xmlns="" xmlns:a14="http://schemas.microsoft.com/office/drawing/2010/main" w="9525" cap="flat">
                 <a:solidFill>
                   <a:srgbClr val="000000"/>
                 </a:solidFill>
@@ -10544,7 +10369,7 @@
               </a14:hiddenLine>
             </a:ext>
             <a:ext uri="{AF507438-7753-43e0-B8FC-AC1667EBCBE1}">
-              <a14:hiddenEffects xmlns:a14="http://schemas.microsoft.com/office/drawing/2010/main" xmlns="">
+              <a14:hiddenEffects xmlns="" xmlns:a14="http://schemas.microsoft.com/office/drawing/2010/main">
                 <a:effectLst>
                   <a:outerShdw blurRad="63500" dist="38099" dir="2700000" algn="ctr" rotWithShape="0">
                     <a:srgbClr val="000000">
@@ -10866,14 +10691,14 @@
           <a:effectLst/>
           <a:extLst>
             <a:ext uri="{909E8E84-426E-40dd-AFC4-6F175D3DCCD1}">
-              <a14:hiddenFill xmlns:a14="http://schemas.microsoft.com/office/drawing/2010/main" xmlns="">
+              <a14:hiddenFill xmlns="" xmlns:a14="http://schemas.microsoft.com/office/drawing/2010/main">
                 <a:solidFill>
                   <a:srgbClr val="FFFFFF"/>
                 </a:solidFill>
               </a14:hiddenFill>
             </a:ext>
             <a:ext uri="{91240B29-F687-4f45-9708-019B960494DF}">
-              <a14:hiddenLine xmlns:a14="http://schemas.microsoft.com/office/drawing/2010/main" xmlns="" w="9525" cap="flat">
+              <a14:hiddenLine xmlns="" xmlns:a14="http://schemas.microsoft.com/office/drawing/2010/main" w="9525" cap="flat">
                 <a:solidFill>
                   <a:srgbClr val="000000"/>
                 </a:solidFill>
@@ -10883,7 +10708,7 @@
               </a14:hiddenLine>
             </a:ext>
             <a:ext uri="{AF507438-7753-43e0-B8FC-AC1667EBCBE1}">
-              <a14:hiddenEffects xmlns:a14="http://schemas.microsoft.com/office/drawing/2010/main" xmlns="">
+              <a14:hiddenEffects xmlns="" xmlns:a14="http://schemas.microsoft.com/office/drawing/2010/main">
                 <a:effectLst>
                   <a:outerShdw blurRad="63500" dist="38099" dir="2700000" algn="ctr" rotWithShape="0">
                     <a:srgbClr val="000000">
@@ -11325,7 +11150,7 @@
           <a:effectLst/>
           <a:extLst>
             <a:ext uri="{909E8E84-426E-40dd-AFC4-6F175D3DCCD1}">
-              <a14:hiddenFill xmlns="" xmlns:a14="http://schemas.microsoft.com/office/drawing/2010/main">
+              <a14:hiddenFill xmlns:a14="http://schemas.microsoft.com/office/drawing/2010/main" xmlns="">
                 <a:blipFill dpi="0" rotWithShape="0">
                   <a:blip/>
                   <a:srcRect/>
@@ -11336,7 +11161,7 @@
               </a14:hiddenFill>
             </a:ext>
             <a:ext uri="{91240B29-F687-4f45-9708-019B960494DF}">
-              <a14:hiddenLine xmlns="" xmlns:a14="http://schemas.microsoft.com/office/drawing/2010/main" w="9525" cap="flat">
+              <a14:hiddenLine xmlns:a14="http://schemas.microsoft.com/office/drawing/2010/main" xmlns="" w="9525" cap="flat">
                 <a:solidFill>
                   <a:srgbClr val="3465A4"/>
                 </a:solidFill>
@@ -11346,7 +11171,7 @@
               </a14:hiddenLine>
             </a:ext>
             <a:ext uri="{AF507438-7753-43e0-B8FC-AC1667EBCBE1}">
-              <a14:hiddenEffects xmlns="" xmlns:a14="http://schemas.microsoft.com/office/drawing/2010/main">
+              <a14:hiddenEffects xmlns:a14="http://schemas.microsoft.com/office/drawing/2010/main" xmlns="">
                 <a:effectLst>
                   <a:outerShdw blurRad="63500" dist="38099" dir="2700000" algn="ctr" rotWithShape="0">
                     <a:srgbClr val="000000">
@@ -11677,7 +11502,7 @@
           <a:effectLst/>
           <a:extLst>
             <a:ext uri="{909E8E84-426E-40dd-AFC4-6F175D3DCCD1}">
-              <a14:hiddenFill xmlns="" xmlns:a14="http://schemas.microsoft.com/office/drawing/2010/main">
+              <a14:hiddenFill xmlns:a14="http://schemas.microsoft.com/office/drawing/2010/main" xmlns="">
                 <a:blipFill dpi="0" rotWithShape="0">
                   <a:blip/>
                   <a:srcRect/>
@@ -11688,7 +11513,7 @@
               </a14:hiddenFill>
             </a:ext>
             <a:ext uri="{91240B29-F687-4f45-9708-019B960494DF}">
-              <a14:hiddenLine xmlns="" xmlns:a14="http://schemas.microsoft.com/office/drawing/2010/main" w="9525" cap="flat">
+              <a14:hiddenLine xmlns:a14="http://schemas.microsoft.com/office/drawing/2010/main" xmlns="" w="9525" cap="flat">
                 <a:solidFill>
                   <a:srgbClr val="3465A4"/>
                 </a:solidFill>
@@ -11698,7 +11523,7 @@
               </a14:hiddenLine>
             </a:ext>
             <a:ext uri="{AF507438-7753-43e0-B8FC-AC1667EBCBE1}">
-              <a14:hiddenEffects xmlns="" xmlns:a14="http://schemas.microsoft.com/office/drawing/2010/main">
+              <a14:hiddenEffects xmlns:a14="http://schemas.microsoft.com/office/drawing/2010/main" xmlns="">
                 <a:effectLst>
                   <a:outerShdw blurRad="63500" dist="38099" dir="2700000" algn="ctr" rotWithShape="0">
                     <a:srgbClr val="000000">
@@ -11740,14 +11565,14 @@
           <a:effectLst/>
           <a:extLst>
             <a:ext uri="{909E8E84-426E-40dd-AFC4-6F175D3DCCD1}">
-              <a14:hiddenFill xmlns="" xmlns:a14="http://schemas.microsoft.com/office/drawing/2010/main">
+              <a14:hiddenFill xmlns:a14="http://schemas.microsoft.com/office/drawing/2010/main" xmlns="">
                 <a:solidFill>
                   <a:srgbClr val="FFFFFF"/>
                 </a:solidFill>
               </a14:hiddenFill>
             </a:ext>
             <a:ext uri="{91240B29-F687-4f45-9708-019B960494DF}">
-              <a14:hiddenLine xmlns="" xmlns:a14="http://schemas.microsoft.com/office/drawing/2010/main" w="9525" cap="flat">
+              <a14:hiddenLine xmlns:a14="http://schemas.microsoft.com/office/drawing/2010/main" xmlns="" w="9525" cap="flat">
                 <a:solidFill>
                   <a:srgbClr val="3465A4"/>
                 </a:solidFill>
@@ -11757,7 +11582,7 @@
               </a14:hiddenLine>
             </a:ext>
             <a:ext uri="{AF507438-7753-43e0-B8FC-AC1667EBCBE1}">
-              <a14:hiddenEffects xmlns="" xmlns:a14="http://schemas.microsoft.com/office/drawing/2010/main">
+              <a14:hiddenEffects xmlns:a14="http://schemas.microsoft.com/office/drawing/2010/main" xmlns="">
                 <a:effectLst>
                   <a:outerShdw blurRad="63500" dist="38099" dir="2700000" algn="ctr" rotWithShape="0">
                     <a:srgbClr val="000000">
@@ -12275,7 +12100,7 @@
   <a:extraClrSchemeLst/>
   <a:extLst>
     <a:ext uri="{05A4C25C-085E-4340-85A3-A5531E510DB2}">
-      <thm15:themeFamily xmlns:thm15="http://schemas.microsoft.com/office/thememl/2012/main" name="Presentation3" id="{BCBDB91A-9B26-824C-84F1-38A40AE60A56}" vid="{D4184701-6EB9-C840-884B-4BABDB359DA6}"/>
+      <thm15:themeFamily xmlns:thm15="http://schemas.microsoft.com/office/thememl/2012/main" name="Presentation3" id="{6FC4E7CA-796F-DC46-8477-EB1B03D9751B}" vid="{7600C917-09B9-FA45-B59E-E0879212E2B1}"/>
     </a:ext>
   </a:extLst>
 </a:theme>
